--- a/InProgress/Mobile App for Transporters.pptx
+++ b/InProgress/Mobile App for Transporters.pptx
@@ -302,6 +302,7 @@
           <a:p>
             <a:fld id="{16B30860-0FA4-449A-A410-A0D18A2BBA64}" type="datetimeFigureOut">
               <a:rPr lang="fr-FR" smtClean="0"/>
+              <a:pPr/>
               <a:t>08/11/2018</a:t>
             </a:fld>
             <a:endParaRPr lang="fr-FR"/>
@@ -344,6 +345,7 @@
           <a:p>
             <a:fld id="{8AE3AB73-D3DB-43AD-9105-5C5959EDB2F8}" type="slidenum">
               <a:rPr lang="fr-FR" smtClean="0"/>
+              <a:pPr/>
               <a:t>‹N°›</a:t>
             </a:fld>
             <a:endParaRPr lang="fr-FR"/>
@@ -353,7 +355,7 @@
     </p:spTree>
     <p:extLst>
       <p:ext uri="{BB962C8B-B14F-4D97-AF65-F5344CB8AC3E}">
-        <p14:creationId xmlns:p14="http://schemas.microsoft.com/office/powerpoint/2010/main" val="359543156"/>
+        <p14:creationId xmlns:p14="http://schemas.microsoft.com/office/powerpoint/2010/main" xmlns="" val="359543156"/>
       </p:ext>
     </p:extLst>
   </p:cSld>
@@ -577,6 +579,7 @@
           <a:p>
             <a:fld id="{16B30860-0FA4-449A-A410-A0D18A2BBA64}" type="datetimeFigureOut">
               <a:rPr lang="fr-FR" smtClean="0"/>
+              <a:pPr/>
               <a:t>08/11/2018</a:t>
             </a:fld>
             <a:endParaRPr lang="fr-FR"/>
@@ -619,6 +622,7 @@
           <a:p>
             <a:fld id="{8AE3AB73-D3DB-43AD-9105-5C5959EDB2F8}" type="slidenum">
               <a:rPr lang="fr-FR" smtClean="0"/>
+              <a:pPr/>
               <a:t>‹N°›</a:t>
             </a:fld>
             <a:endParaRPr lang="fr-FR"/>
@@ -628,7 +632,7 @@
     </p:spTree>
     <p:extLst>
       <p:ext uri="{BB962C8B-B14F-4D97-AF65-F5344CB8AC3E}">
-        <p14:creationId xmlns:p14="http://schemas.microsoft.com/office/powerpoint/2010/main" val="1791852362"/>
+        <p14:creationId xmlns:p14="http://schemas.microsoft.com/office/powerpoint/2010/main" xmlns="" val="1791852362"/>
       </p:ext>
     </p:extLst>
   </p:cSld>
@@ -771,6 +775,7 @@
           <a:p>
             <a:fld id="{16B30860-0FA4-449A-A410-A0D18A2BBA64}" type="datetimeFigureOut">
               <a:rPr lang="fr-FR" smtClean="0"/>
+              <a:pPr/>
               <a:t>08/11/2018</a:t>
             </a:fld>
             <a:endParaRPr lang="fr-FR"/>
@@ -813,6 +818,7 @@
           <a:p>
             <a:fld id="{8AE3AB73-D3DB-43AD-9105-5C5959EDB2F8}" type="slidenum">
               <a:rPr lang="fr-FR" smtClean="0"/>
+              <a:pPr/>
               <a:t>‹N°›</a:t>
             </a:fld>
             <a:endParaRPr lang="fr-FR"/>
@@ -822,7 +828,7 @@
     </p:spTree>
     <p:extLst>
       <p:ext uri="{BB962C8B-B14F-4D97-AF65-F5344CB8AC3E}">
-        <p14:creationId xmlns:p14="http://schemas.microsoft.com/office/powerpoint/2010/main" val="2215914530"/>
+        <p14:creationId xmlns:p14="http://schemas.microsoft.com/office/powerpoint/2010/main" xmlns="" val="2215914530"/>
       </p:ext>
     </p:extLst>
   </p:cSld>
@@ -1044,6 +1050,7 @@
           <a:p>
             <a:fld id="{16B30860-0FA4-449A-A410-A0D18A2BBA64}" type="datetimeFigureOut">
               <a:rPr lang="fr-FR" smtClean="0"/>
+              <a:pPr/>
               <a:t>08/11/2018</a:t>
             </a:fld>
             <a:endParaRPr lang="fr-FR"/>
@@ -1086,6 +1093,7 @@
           <a:p>
             <a:fld id="{8AE3AB73-D3DB-43AD-9105-5C5959EDB2F8}" type="slidenum">
               <a:rPr lang="fr-FR" smtClean="0"/>
+              <a:pPr/>
               <a:t>‹N°›</a:t>
             </a:fld>
             <a:endParaRPr lang="fr-FR"/>
@@ -1189,7 +1197,7 @@
     </p:spTree>
     <p:extLst>
       <p:ext uri="{BB962C8B-B14F-4D97-AF65-F5344CB8AC3E}">
-        <p14:creationId xmlns:p14="http://schemas.microsoft.com/office/powerpoint/2010/main" val="2750886991"/>
+        <p14:creationId xmlns:p14="http://schemas.microsoft.com/office/powerpoint/2010/main" xmlns="" val="2750886991"/>
       </p:ext>
     </p:extLst>
   </p:cSld>
@@ -1385,6 +1393,7 @@
           <a:p>
             <a:fld id="{16B30860-0FA4-449A-A410-A0D18A2BBA64}" type="datetimeFigureOut">
               <a:rPr lang="fr-FR" smtClean="0"/>
+              <a:pPr/>
               <a:t>08/11/2018</a:t>
             </a:fld>
             <a:endParaRPr lang="fr-FR"/>
@@ -1427,6 +1436,7 @@
           <a:p>
             <a:fld id="{8AE3AB73-D3DB-43AD-9105-5C5959EDB2F8}" type="slidenum">
               <a:rPr lang="fr-FR" smtClean="0"/>
+              <a:pPr/>
               <a:t>‹N°›</a:t>
             </a:fld>
             <a:endParaRPr lang="fr-FR"/>
@@ -1436,7 +1446,7 @@
     </p:spTree>
     <p:extLst>
       <p:ext uri="{BB962C8B-B14F-4D97-AF65-F5344CB8AC3E}">
-        <p14:creationId xmlns:p14="http://schemas.microsoft.com/office/powerpoint/2010/main" val="808990281"/>
+        <p14:creationId xmlns:p14="http://schemas.microsoft.com/office/powerpoint/2010/main" xmlns="" val="808990281"/>
       </p:ext>
     </p:extLst>
   </p:cSld>
@@ -2008,6 +2018,7 @@
           <a:p>
             <a:fld id="{16B30860-0FA4-449A-A410-A0D18A2BBA64}" type="datetimeFigureOut">
               <a:rPr lang="fr-FR" smtClean="0"/>
+              <a:pPr/>
               <a:t>08/11/2018</a:t>
             </a:fld>
             <a:endParaRPr lang="fr-FR"/>
@@ -2050,6 +2061,7 @@
           <a:p>
             <a:fld id="{8AE3AB73-D3DB-43AD-9105-5C5959EDB2F8}" type="slidenum">
               <a:rPr lang="fr-FR" smtClean="0"/>
+              <a:pPr/>
               <a:t>‹N°›</a:t>
             </a:fld>
             <a:endParaRPr lang="fr-FR"/>
@@ -2059,7 +2071,7 @@
     </p:spTree>
     <p:extLst>
       <p:ext uri="{BB962C8B-B14F-4D97-AF65-F5344CB8AC3E}">
-        <p14:creationId xmlns:p14="http://schemas.microsoft.com/office/powerpoint/2010/main" val="2464030152"/>
+        <p14:creationId xmlns:p14="http://schemas.microsoft.com/office/powerpoint/2010/main" xmlns="" val="2464030152"/>
       </p:ext>
     </p:extLst>
   </p:cSld>
@@ -2868,6 +2880,7 @@
           <a:p>
             <a:fld id="{16B30860-0FA4-449A-A410-A0D18A2BBA64}" type="datetimeFigureOut">
               <a:rPr lang="fr-FR" smtClean="0"/>
+              <a:pPr/>
               <a:t>08/11/2018</a:t>
             </a:fld>
             <a:endParaRPr lang="fr-FR"/>
@@ -2910,6 +2923,7 @@
           <a:p>
             <a:fld id="{8AE3AB73-D3DB-43AD-9105-5C5959EDB2F8}" type="slidenum">
               <a:rPr lang="fr-FR" smtClean="0"/>
+              <a:pPr/>
               <a:t>‹N°›</a:t>
             </a:fld>
             <a:endParaRPr lang="fr-FR"/>
@@ -2919,7 +2933,7 @@
     </p:spTree>
     <p:extLst>
       <p:ext uri="{BB962C8B-B14F-4D97-AF65-F5344CB8AC3E}">
-        <p14:creationId xmlns:p14="http://schemas.microsoft.com/office/powerpoint/2010/main" val="3849067415"/>
+        <p14:creationId xmlns:p14="http://schemas.microsoft.com/office/powerpoint/2010/main" xmlns="" val="3849067415"/>
       </p:ext>
     </p:extLst>
   </p:cSld>
@@ -3038,6 +3052,7 @@
           <a:p>
             <a:fld id="{16B30860-0FA4-449A-A410-A0D18A2BBA64}" type="datetimeFigureOut">
               <a:rPr lang="fr-FR" smtClean="0"/>
+              <a:pPr/>
               <a:t>08/11/2018</a:t>
             </a:fld>
             <a:endParaRPr lang="fr-FR"/>
@@ -3080,6 +3095,7 @@
           <a:p>
             <a:fld id="{8AE3AB73-D3DB-43AD-9105-5C5959EDB2F8}" type="slidenum">
               <a:rPr lang="fr-FR" smtClean="0"/>
+              <a:pPr/>
               <a:t>‹N°›</a:t>
             </a:fld>
             <a:endParaRPr lang="fr-FR"/>
@@ -3089,7 +3105,7 @@
     </p:spTree>
     <p:extLst>
       <p:ext uri="{BB962C8B-B14F-4D97-AF65-F5344CB8AC3E}">
-        <p14:creationId xmlns:p14="http://schemas.microsoft.com/office/powerpoint/2010/main" val="2140992779"/>
+        <p14:creationId xmlns:p14="http://schemas.microsoft.com/office/powerpoint/2010/main" xmlns="" val="2140992779"/>
       </p:ext>
     </p:extLst>
   </p:cSld>
@@ -3218,6 +3234,7 @@
           <a:p>
             <a:fld id="{16B30860-0FA4-449A-A410-A0D18A2BBA64}" type="datetimeFigureOut">
               <a:rPr lang="fr-FR" smtClean="0"/>
+              <a:pPr/>
               <a:t>08/11/2018</a:t>
             </a:fld>
             <a:endParaRPr lang="fr-FR"/>
@@ -3260,6 +3277,7 @@
           <a:p>
             <a:fld id="{8AE3AB73-D3DB-43AD-9105-5C5959EDB2F8}" type="slidenum">
               <a:rPr lang="fr-FR" smtClean="0"/>
+              <a:pPr/>
               <a:t>‹N°›</a:t>
             </a:fld>
             <a:endParaRPr lang="fr-FR"/>
@@ -3269,7 +3287,7 @@
     </p:spTree>
     <p:extLst>
       <p:ext uri="{BB962C8B-B14F-4D97-AF65-F5344CB8AC3E}">
-        <p14:creationId xmlns:p14="http://schemas.microsoft.com/office/powerpoint/2010/main" val="1766274296"/>
+        <p14:creationId xmlns:p14="http://schemas.microsoft.com/office/powerpoint/2010/main" xmlns="" val="1766274296"/>
       </p:ext>
     </p:extLst>
   </p:cSld>
@@ -3388,6 +3406,7 @@
           <a:p>
             <a:fld id="{16B30860-0FA4-449A-A410-A0D18A2BBA64}" type="datetimeFigureOut">
               <a:rPr lang="fr-FR" smtClean="0"/>
+              <a:pPr/>
               <a:t>08/11/2018</a:t>
             </a:fld>
             <a:endParaRPr lang="fr-FR"/>
@@ -3430,6 +3449,7 @@
           <a:p>
             <a:fld id="{8AE3AB73-D3DB-43AD-9105-5C5959EDB2F8}" type="slidenum">
               <a:rPr lang="fr-FR" smtClean="0"/>
+              <a:pPr/>
               <a:t>‹N°›</a:t>
             </a:fld>
             <a:endParaRPr lang="fr-FR"/>
@@ -3439,7 +3459,7 @@
     </p:spTree>
     <p:extLst>
       <p:ext uri="{BB962C8B-B14F-4D97-AF65-F5344CB8AC3E}">
-        <p14:creationId xmlns:p14="http://schemas.microsoft.com/office/powerpoint/2010/main" val="1282578017"/>
+        <p14:creationId xmlns:p14="http://schemas.microsoft.com/office/powerpoint/2010/main" xmlns="" val="1282578017"/>
       </p:ext>
     </p:extLst>
   </p:cSld>
@@ -3635,6 +3655,7 @@
           <a:p>
             <a:fld id="{16B30860-0FA4-449A-A410-A0D18A2BBA64}" type="datetimeFigureOut">
               <a:rPr lang="fr-FR" smtClean="0"/>
+              <a:pPr/>
               <a:t>08/11/2018</a:t>
             </a:fld>
             <a:endParaRPr lang="fr-FR"/>
@@ -3677,6 +3698,7 @@
           <a:p>
             <a:fld id="{8AE3AB73-D3DB-43AD-9105-5C5959EDB2F8}" type="slidenum">
               <a:rPr lang="fr-FR" smtClean="0"/>
+              <a:pPr/>
               <a:t>‹N°›</a:t>
             </a:fld>
             <a:endParaRPr lang="fr-FR"/>
@@ -3686,7 +3708,7 @@
     </p:spTree>
     <p:extLst>
       <p:ext uri="{BB962C8B-B14F-4D97-AF65-F5344CB8AC3E}">
-        <p14:creationId xmlns:p14="http://schemas.microsoft.com/office/powerpoint/2010/main" val="2187326809"/>
+        <p14:creationId xmlns:p14="http://schemas.microsoft.com/office/powerpoint/2010/main" xmlns="" val="2187326809"/>
       </p:ext>
     </p:extLst>
   </p:cSld>
@@ -3927,6 +3949,7 @@
           <a:p>
             <a:fld id="{16B30860-0FA4-449A-A410-A0D18A2BBA64}" type="datetimeFigureOut">
               <a:rPr lang="fr-FR" smtClean="0"/>
+              <a:pPr/>
               <a:t>08/11/2018</a:t>
             </a:fld>
             <a:endParaRPr lang="fr-FR"/>
@@ -3969,6 +3992,7 @@
           <a:p>
             <a:fld id="{8AE3AB73-D3DB-43AD-9105-5C5959EDB2F8}" type="slidenum">
               <a:rPr lang="fr-FR" smtClean="0"/>
+              <a:pPr/>
               <a:t>‹N°›</a:t>
             </a:fld>
             <a:endParaRPr lang="fr-FR"/>
@@ -3978,7 +4002,7 @@
     </p:spTree>
     <p:extLst>
       <p:ext uri="{BB962C8B-B14F-4D97-AF65-F5344CB8AC3E}">
-        <p14:creationId xmlns:p14="http://schemas.microsoft.com/office/powerpoint/2010/main" val="3632737259"/>
+        <p14:creationId xmlns:p14="http://schemas.microsoft.com/office/powerpoint/2010/main" xmlns="" val="3632737259"/>
       </p:ext>
     </p:extLst>
   </p:cSld>
@@ -4371,6 +4395,7 @@
           <a:p>
             <a:fld id="{16B30860-0FA4-449A-A410-A0D18A2BBA64}" type="datetimeFigureOut">
               <a:rPr lang="fr-FR" smtClean="0"/>
+              <a:pPr/>
               <a:t>08/11/2018</a:t>
             </a:fld>
             <a:endParaRPr lang="fr-FR"/>
@@ -4413,6 +4438,7 @@
           <a:p>
             <a:fld id="{8AE3AB73-D3DB-43AD-9105-5C5959EDB2F8}" type="slidenum">
               <a:rPr lang="fr-FR" smtClean="0"/>
+              <a:pPr/>
               <a:t>‹N°›</a:t>
             </a:fld>
             <a:endParaRPr lang="fr-FR"/>
@@ -4422,7 +4448,7 @@
     </p:spTree>
     <p:extLst>
       <p:ext uri="{BB962C8B-B14F-4D97-AF65-F5344CB8AC3E}">
-        <p14:creationId xmlns:p14="http://schemas.microsoft.com/office/powerpoint/2010/main" val="1900273612"/>
+        <p14:creationId xmlns:p14="http://schemas.microsoft.com/office/powerpoint/2010/main" xmlns="" val="1900273612"/>
       </p:ext>
     </p:extLst>
   </p:cSld>
@@ -4489,6 +4515,7 @@
           <a:p>
             <a:fld id="{16B30860-0FA4-449A-A410-A0D18A2BBA64}" type="datetimeFigureOut">
               <a:rPr lang="fr-FR" smtClean="0"/>
+              <a:pPr/>
               <a:t>08/11/2018</a:t>
             </a:fld>
             <a:endParaRPr lang="fr-FR"/>
@@ -4531,6 +4558,7 @@
           <a:p>
             <a:fld id="{8AE3AB73-D3DB-43AD-9105-5C5959EDB2F8}" type="slidenum">
               <a:rPr lang="fr-FR" smtClean="0"/>
+              <a:pPr/>
               <a:t>‹N°›</a:t>
             </a:fld>
             <a:endParaRPr lang="fr-FR"/>
@@ -4540,7 +4568,7 @@
     </p:spTree>
     <p:extLst>
       <p:ext uri="{BB962C8B-B14F-4D97-AF65-F5344CB8AC3E}">
-        <p14:creationId xmlns:p14="http://schemas.microsoft.com/office/powerpoint/2010/main" val="3097748745"/>
+        <p14:creationId xmlns:p14="http://schemas.microsoft.com/office/powerpoint/2010/main" xmlns="" val="3097748745"/>
       </p:ext>
     </p:extLst>
   </p:cSld>
@@ -4584,6 +4612,7 @@
           <a:p>
             <a:fld id="{16B30860-0FA4-449A-A410-A0D18A2BBA64}" type="datetimeFigureOut">
               <a:rPr lang="fr-FR" smtClean="0"/>
+              <a:pPr/>
               <a:t>08/11/2018</a:t>
             </a:fld>
             <a:endParaRPr lang="fr-FR"/>
@@ -4626,6 +4655,7 @@
           <a:p>
             <a:fld id="{8AE3AB73-D3DB-43AD-9105-5C5959EDB2F8}" type="slidenum">
               <a:rPr lang="fr-FR" smtClean="0"/>
+              <a:pPr/>
               <a:t>‹N°›</a:t>
             </a:fld>
             <a:endParaRPr lang="fr-FR"/>
@@ -4635,7 +4665,7 @@
     </p:spTree>
     <p:extLst>
       <p:ext uri="{BB962C8B-B14F-4D97-AF65-F5344CB8AC3E}">
-        <p14:creationId xmlns:p14="http://schemas.microsoft.com/office/powerpoint/2010/main" val="243996880"/>
+        <p14:creationId xmlns:p14="http://schemas.microsoft.com/office/powerpoint/2010/main" xmlns="" val="243996880"/>
       </p:ext>
     </p:extLst>
   </p:cSld>
@@ -4863,6 +4893,7 @@
           <a:p>
             <a:fld id="{16B30860-0FA4-449A-A410-A0D18A2BBA64}" type="datetimeFigureOut">
               <a:rPr lang="fr-FR" smtClean="0"/>
+              <a:pPr/>
               <a:t>08/11/2018</a:t>
             </a:fld>
             <a:endParaRPr lang="fr-FR"/>
@@ -4905,6 +4936,7 @@
           <a:p>
             <a:fld id="{8AE3AB73-D3DB-43AD-9105-5C5959EDB2F8}" type="slidenum">
               <a:rPr lang="fr-FR" smtClean="0"/>
+              <a:pPr/>
               <a:t>‹N°›</a:t>
             </a:fld>
             <a:endParaRPr lang="fr-FR"/>
@@ -4914,7 +4946,7 @@
     </p:spTree>
     <p:extLst>
       <p:ext uri="{BB962C8B-B14F-4D97-AF65-F5344CB8AC3E}">
-        <p14:creationId xmlns:p14="http://schemas.microsoft.com/office/powerpoint/2010/main" val="3977965230"/>
+        <p14:creationId xmlns:p14="http://schemas.microsoft.com/office/powerpoint/2010/main" xmlns="" val="3977965230"/>
       </p:ext>
     </p:extLst>
   </p:cSld>
@@ -5138,6 +5170,7 @@
           <a:p>
             <a:fld id="{16B30860-0FA4-449A-A410-A0D18A2BBA64}" type="datetimeFigureOut">
               <a:rPr lang="fr-FR" smtClean="0"/>
+              <a:pPr/>
               <a:t>08/11/2018</a:t>
             </a:fld>
             <a:endParaRPr lang="fr-FR"/>
@@ -5180,6 +5213,7 @@
           <a:p>
             <a:fld id="{8AE3AB73-D3DB-43AD-9105-5C5959EDB2F8}" type="slidenum">
               <a:rPr lang="fr-FR" smtClean="0"/>
+              <a:pPr/>
               <a:t>‹N°›</a:t>
             </a:fld>
             <a:endParaRPr lang="fr-FR"/>
@@ -5189,7 +5223,7 @@
     </p:spTree>
     <p:extLst>
       <p:ext uri="{BB962C8B-B14F-4D97-AF65-F5344CB8AC3E}">
-        <p14:creationId xmlns:p14="http://schemas.microsoft.com/office/powerpoint/2010/main" val="2076740640"/>
+        <p14:creationId xmlns:p14="http://schemas.microsoft.com/office/powerpoint/2010/main" xmlns="" val="2076740640"/>
       </p:ext>
     </p:extLst>
   </p:cSld>
@@ -5230,10 +5264,10 @@
           <p:nvPr/>
         </p:nvPicPr>
         <p:blipFill rotWithShape="1">
-          <a:blip r:embed="rId19">
+          <a:blip r:embed="rId19" cstate="print">
             <a:extLst>
               <a:ext uri="{28A0092B-C50C-407E-A947-70E740481C1C}">
-                <a14:useLocalDpi xmlns:a14="http://schemas.microsoft.com/office/drawing/2010/main" val="0"/>
+                <a14:useLocalDpi xmlns:a14="http://schemas.microsoft.com/office/drawing/2010/main" xmlns="" val="0"/>
               </a:ext>
             </a:extLst>
           </a:blip>
@@ -5259,10 +5293,10 @@
           <p:nvPr/>
         </p:nvPicPr>
         <p:blipFill rotWithShape="1">
-          <a:blip r:embed="rId20">
+          <a:blip r:embed="rId20" cstate="print">
             <a:extLst>
               <a:ext uri="{28A0092B-C50C-407E-A947-70E740481C1C}">
-                <a14:useLocalDpi xmlns:a14="http://schemas.microsoft.com/office/drawing/2010/main" val="0"/>
+                <a14:useLocalDpi xmlns:a14="http://schemas.microsoft.com/office/drawing/2010/main" xmlns="" val="0"/>
               </a:ext>
             </a:extLst>
           </a:blip>
@@ -5351,10 +5385,10 @@
           <p:nvPr/>
         </p:nvPicPr>
         <p:blipFill rotWithShape="1">
-          <a:blip r:embed="rId21">
+          <a:blip r:embed="rId21" cstate="print">
             <a:extLst>
               <a:ext uri="{28A0092B-C50C-407E-A947-70E740481C1C}">
-                <a14:useLocalDpi xmlns:a14="http://schemas.microsoft.com/office/drawing/2010/main" val="0"/>
+                <a14:useLocalDpi xmlns:a14="http://schemas.microsoft.com/office/drawing/2010/main" xmlns="" val="0"/>
               </a:ext>
             </a:extLst>
           </a:blip>
@@ -5380,10 +5414,10 @@
           <p:nvPr/>
         </p:nvPicPr>
         <p:blipFill rotWithShape="1">
-          <a:blip r:embed="rId22">
+          <a:blip r:embed="rId22" cstate="print">
             <a:extLst>
               <a:ext uri="{28A0092B-C50C-407E-A947-70E740481C1C}">
-                <a14:useLocalDpi xmlns:a14="http://schemas.microsoft.com/office/drawing/2010/main" val="0"/>
+                <a14:useLocalDpi xmlns:a14="http://schemas.microsoft.com/office/drawing/2010/main" xmlns="" val="0"/>
               </a:ext>
             </a:extLst>
           </a:blip>
@@ -5567,6 +5601,7 @@
           <a:p>
             <a:fld id="{16B30860-0FA4-449A-A410-A0D18A2BBA64}" type="datetimeFigureOut">
               <a:rPr lang="fr-FR" smtClean="0"/>
+              <a:pPr/>
               <a:t>08/11/2018</a:t>
             </a:fld>
             <a:endParaRPr lang="fr-FR"/>
@@ -5646,6 +5681,7 @@
           <a:p>
             <a:fld id="{8AE3AB73-D3DB-43AD-9105-5C5959EDB2F8}" type="slidenum">
               <a:rPr lang="fr-FR" smtClean="0"/>
+              <a:pPr/>
               <a:t>‹N°›</a:t>
             </a:fld>
             <a:endParaRPr lang="fr-FR"/>
@@ -5655,7 +5691,7 @@
     </p:spTree>
     <p:extLst>
       <p:ext uri="{BB962C8B-B14F-4D97-AF65-F5344CB8AC3E}">
-        <p14:creationId xmlns:p14="http://schemas.microsoft.com/office/powerpoint/2010/main" val="2458190484"/>
+        <p14:creationId xmlns:p14="http://schemas.microsoft.com/office/powerpoint/2010/main" xmlns="" val="2458190484"/>
       </p:ext>
     </p:extLst>
   </p:cSld>
@@ -6100,7 +6136,7 @@
           <p:cNvPr id="2" name="Titre 1">
             <a:extLst>
               <a:ext uri="{FF2B5EF4-FFF2-40B4-BE49-F238E27FC236}">
-                <a16:creationId xmlns:a16="http://schemas.microsoft.com/office/drawing/2014/main" id="{BA1FE4F6-2495-462A-B697-F05908BA6A7C}"/>
+                <a16:creationId xmlns:a16="http://schemas.microsoft.com/office/drawing/2014/main" xmlns="" id="{BA1FE4F6-2495-462A-B697-F05908BA6A7C}"/>
               </a:ext>
             </a:extLst>
           </p:cNvPr>
@@ -6133,7 +6169,7 @@
           <p:cNvPr id="3" name="Sous-titre 2">
             <a:extLst>
               <a:ext uri="{FF2B5EF4-FFF2-40B4-BE49-F238E27FC236}">
-                <a16:creationId xmlns:a16="http://schemas.microsoft.com/office/drawing/2014/main" id="{684B51AF-358E-4A31-B776-DB7FB3CCBE6B}"/>
+                <a16:creationId xmlns:a16="http://schemas.microsoft.com/office/drawing/2014/main" xmlns="" id="{684B51AF-358E-4A31-B776-DB7FB3CCBE6B}"/>
               </a:ext>
             </a:extLst>
           </p:cNvPr>
@@ -6201,7 +6237,7 @@
     </p:spTree>
     <p:extLst>
       <p:ext uri="{BB962C8B-B14F-4D97-AF65-F5344CB8AC3E}">
-        <p14:creationId xmlns:p14="http://schemas.microsoft.com/office/powerpoint/2010/main" val="18492445"/>
+        <p14:creationId xmlns:p14="http://schemas.microsoft.com/office/powerpoint/2010/main" xmlns="" val="18492445"/>
       </p:ext>
     </p:extLst>
   </p:cSld>
@@ -6233,7 +6269,7 @@
           <p:cNvPr id="2" name="Titre 1">
             <a:extLst>
               <a:ext uri="{FF2B5EF4-FFF2-40B4-BE49-F238E27FC236}">
-                <a16:creationId xmlns:a16="http://schemas.microsoft.com/office/drawing/2014/main" id="{0FAC081F-7886-4022-AEBF-55BEAC506492}"/>
+                <a16:creationId xmlns:a16="http://schemas.microsoft.com/office/drawing/2014/main" xmlns="" id="{0FAC081F-7886-4022-AEBF-55BEAC506492}"/>
               </a:ext>
             </a:extLst>
           </p:cNvPr>
@@ -6259,7 +6295,7 @@
     </p:spTree>
     <p:extLst>
       <p:ext uri="{BB962C8B-B14F-4D97-AF65-F5344CB8AC3E}">
-        <p14:creationId xmlns:p14="http://schemas.microsoft.com/office/powerpoint/2010/main" val="323958997"/>
+        <p14:creationId xmlns:p14="http://schemas.microsoft.com/office/powerpoint/2010/main" xmlns="" val="323958997"/>
       </p:ext>
     </p:extLst>
   </p:cSld>
@@ -6291,7 +6327,7 @@
           <p:cNvPr id="2" name="Titre 1">
             <a:extLst>
               <a:ext uri="{FF2B5EF4-FFF2-40B4-BE49-F238E27FC236}">
-                <a16:creationId xmlns:a16="http://schemas.microsoft.com/office/drawing/2014/main" id="{BBBC85F8-E36C-485E-B9DA-9AC3A38707D8}"/>
+                <a16:creationId xmlns:a16="http://schemas.microsoft.com/office/drawing/2014/main" xmlns="" id="{BBBC85F8-E36C-485E-B9DA-9AC3A38707D8}"/>
               </a:ext>
             </a:extLst>
           </p:cNvPr>
@@ -6319,7 +6355,7 @@
           <p:cNvPr id="3" name="Espace réservé du contenu 2">
             <a:extLst>
               <a:ext uri="{FF2B5EF4-FFF2-40B4-BE49-F238E27FC236}">
-                <a16:creationId xmlns:a16="http://schemas.microsoft.com/office/drawing/2014/main" id="{E0C19406-AE77-48EF-8B5A-FFBC39EC0AC0}"/>
+                <a16:creationId xmlns:a16="http://schemas.microsoft.com/office/drawing/2014/main" xmlns="" id="{E0C19406-AE77-48EF-8B5A-FFBC39EC0AC0}"/>
               </a:ext>
             </a:extLst>
           </p:cNvPr>
@@ -6369,7 +6405,7 @@
     </p:spTree>
     <p:extLst>
       <p:ext uri="{BB962C8B-B14F-4D97-AF65-F5344CB8AC3E}">
-        <p14:creationId xmlns:p14="http://schemas.microsoft.com/office/powerpoint/2010/main" val="1291399902"/>
+        <p14:creationId xmlns:p14="http://schemas.microsoft.com/office/powerpoint/2010/main" xmlns="" val="1291399902"/>
       </p:ext>
     </p:extLst>
   </p:cSld>
@@ -6401,7 +6437,7 @@
           <p:cNvPr id="2" name="Titre 1">
             <a:extLst>
               <a:ext uri="{FF2B5EF4-FFF2-40B4-BE49-F238E27FC236}">
-                <a16:creationId xmlns:a16="http://schemas.microsoft.com/office/drawing/2014/main" id="{1C3E28EE-4D36-4E91-BE65-AF05CFB80061}"/>
+                <a16:creationId xmlns:a16="http://schemas.microsoft.com/office/drawing/2014/main" xmlns="" id="{1C3E28EE-4D36-4E91-BE65-AF05CFB80061}"/>
               </a:ext>
             </a:extLst>
           </p:cNvPr>
@@ -6429,7 +6465,7 @@
           <p:cNvPr id="5" name="Espace réservé du contenu 4">
             <a:extLst>
               <a:ext uri="{FF2B5EF4-FFF2-40B4-BE49-F238E27FC236}">
-                <a16:creationId xmlns:a16="http://schemas.microsoft.com/office/drawing/2014/main" id="{847C2333-ADB7-480C-8345-137A1FBA6415}"/>
+                <a16:creationId xmlns:a16="http://schemas.microsoft.com/office/drawing/2014/main" xmlns="" id="{847C2333-ADB7-480C-8345-137A1FBA6415}"/>
               </a:ext>
             </a:extLst>
           </p:cNvPr>
@@ -6441,10 +6477,10 @@
           </p:nvPr>
         </p:nvPicPr>
         <p:blipFill>
-          <a:blip r:embed="rId2">
+          <a:blip r:embed="rId2" cstate="print">
             <a:extLst>
               <a:ext uri="{28A0092B-C50C-407E-A947-70E740481C1C}">
-                <a14:useLocalDpi xmlns:a14="http://schemas.microsoft.com/office/drawing/2010/main" val="0"/>
+                <a14:useLocalDpi xmlns:a14="http://schemas.microsoft.com/office/drawing/2010/main" xmlns="" val="0"/>
               </a:ext>
             </a:extLst>
           </a:blip>
@@ -6462,7 +6498,7 @@
     </p:spTree>
     <p:extLst>
       <p:ext uri="{BB962C8B-B14F-4D97-AF65-F5344CB8AC3E}">
-        <p14:creationId xmlns:p14="http://schemas.microsoft.com/office/powerpoint/2010/main" val="2472248292"/>
+        <p14:creationId xmlns:p14="http://schemas.microsoft.com/office/powerpoint/2010/main" xmlns="" val="2472248292"/>
       </p:ext>
     </p:extLst>
   </p:cSld>
@@ -6494,7 +6530,7 @@
           <p:cNvPr id="2" name="Titre 1">
             <a:extLst>
               <a:ext uri="{FF2B5EF4-FFF2-40B4-BE49-F238E27FC236}">
-                <a16:creationId xmlns:a16="http://schemas.microsoft.com/office/drawing/2014/main" id="{0FAF0F26-0C0A-495E-AD36-71F887760A03}"/>
+                <a16:creationId xmlns:a16="http://schemas.microsoft.com/office/drawing/2014/main" xmlns="" id="{0FAF0F26-0C0A-495E-AD36-71F887760A03}"/>
               </a:ext>
             </a:extLst>
           </p:cNvPr>
@@ -6522,7 +6558,7 @@
           <p:cNvPr id="7" name="Espace réservé du contenu 6">
             <a:extLst>
               <a:ext uri="{FF2B5EF4-FFF2-40B4-BE49-F238E27FC236}">
-                <a16:creationId xmlns:a16="http://schemas.microsoft.com/office/drawing/2014/main" id="{3F80343C-2266-46B5-99C8-F620460C5A12}"/>
+                <a16:creationId xmlns:a16="http://schemas.microsoft.com/office/drawing/2014/main" xmlns="" id="{3F80343C-2266-46B5-99C8-F620460C5A12}"/>
               </a:ext>
             </a:extLst>
           </p:cNvPr>
@@ -6534,10 +6570,10 @@
           </p:nvPr>
         </p:nvPicPr>
         <p:blipFill>
-          <a:blip r:embed="rId2">
+          <a:blip r:embed="rId2" cstate="print">
             <a:extLst>
               <a:ext uri="{28A0092B-C50C-407E-A947-70E740481C1C}">
-                <a14:useLocalDpi xmlns:a14="http://schemas.microsoft.com/office/drawing/2010/main" val="0"/>
+                <a14:useLocalDpi xmlns:a14="http://schemas.microsoft.com/office/drawing/2010/main" xmlns="" val="0"/>
               </a:ext>
             </a:extLst>
           </a:blip>
@@ -6555,7 +6591,7 @@
     </p:spTree>
     <p:extLst>
       <p:ext uri="{BB962C8B-B14F-4D97-AF65-F5344CB8AC3E}">
-        <p14:creationId xmlns:p14="http://schemas.microsoft.com/office/powerpoint/2010/main" val="744730183"/>
+        <p14:creationId xmlns:p14="http://schemas.microsoft.com/office/powerpoint/2010/main" xmlns="" val="744730183"/>
       </p:ext>
     </p:extLst>
   </p:cSld>
@@ -6587,7 +6623,7 @@
           <p:cNvPr id="2" name="Titre 1">
             <a:extLst>
               <a:ext uri="{FF2B5EF4-FFF2-40B4-BE49-F238E27FC236}">
-                <a16:creationId xmlns:a16="http://schemas.microsoft.com/office/drawing/2014/main" id="{875C9451-960F-470E-85D1-31B4F2F65E15}"/>
+                <a16:creationId xmlns:a16="http://schemas.microsoft.com/office/drawing/2014/main" xmlns="" id="{875C9451-960F-470E-85D1-31B4F2F65E15}"/>
               </a:ext>
             </a:extLst>
           </p:cNvPr>
@@ -6622,7 +6658,7 @@
           <p:cNvPr id="4" name="Image 3">
             <a:extLst>
               <a:ext uri="{FF2B5EF4-FFF2-40B4-BE49-F238E27FC236}">
-                <a16:creationId xmlns:a16="http://schemas.microsoft.com/office/drawing/2014/main" id="{5BAFF0D9-76C6-4E6E-BD23-FD7CF61722BC}"/>
+                <a16:creationId xmlns:a16="http://schemas.microsoft.com/office/drawing/2014/main" xmlns="" id="{5BAFF0D9-76C6-4E6E-BD23-FD7CF61722BC}"/>
               </a:ext>
             </a:extLst>
           </p:cNvPr>
@@ -6632,7 +6668,7 @@
           <p:nvPr/>
         </p:nvPicPr>
         <p:blipFill>
-          <a:blip r:embed="rId2"/>
+          <a:blip r:embed="rId2" cstate="print"/>
           <a:stretch>
             <a:fillRect/>
           </a:stretch>
@@ -6650,7 +6686,7 @@
     </p:spTree>
     <p:extLst>
       <p:ext uri="{BB962C8B-B14F-4D97-AF65-F5344CB8AC3E}">
-        <p14:creationId xmlns:p14="http://schemas.microsoft.com/office/powerpoint/2010/main" val="915868465"/>
+        <p14:creationId xmlns:p14="http://schemas.microsoft.com/office/powerpoint/2010/main" xmlns="" val="915868465"/>
       </p:ext>
     </p:extLst>
   </p:cSld>
@@ -6682,7 +6718,7 @@
           <p:cNvPr id="2" name="Titre 1">
             <a:extLst>
               <a:ext uri="{FF2B5EF4-FFF2-40B4-BE49-F238E27FC236}">
-                <a16:creationId xmlns:a16="http://schemas.microsoft.com/office/drawing/2014/main" id="{456E99EF-FD3C-47DC-B685-3032506B0D4F}"/>
+                <a16:creationId xmlns:a16="http://schemas.microsoft.com/office/drawing/2014/main" xmlns="" id="{456E99EF-FD3C-47DC-B685-3032506B0D4F}"/>
               </a:ext>
             </a:extLst>
           </p:cNvPr>
@@ -6717,7 +6753,7 @@
           <p:cNvPr id="11" name="Connecteur droit 10">
             <a:extLst>
               <a:ext uri="{FF2B5EF4-FFF2-40B4-BE49-F238E27FC236}">
-                <a16:creationId xmlns:a16="http://schemas.microsoft.com/office/drawing/2014/main" id="{F8286B00-6BB3-4228-BB81-8FAC6CC1839A}"/>
+                <a16:creationId xmlns:a16="http://schemas.microsoft.com/office/drawing/2014/main" xmlns="" id="{F8286B00-6BB3-4228-BB81-8FAC6CC1839A}"/>
               </a:ext>
             </a:extLst>
           </p:cNvPr>
@@ -6755,7 +6791,7 @@
           <p:cNvPr id="13" name="Image 12">
             <a:extLst>
               <a:ext uri="{FF2B5EF4-FFF2-40B4-BE49-F238E27FC236}">
-                <a16:creationId xmlns:a16="http://schemas.microsoft.com/office/drawing/2014/main" id="{75878A89-FA45-4A32-BBC1-75F54C9BBC20}"/>
+                <a16:creationId xmlns:a16="http://schemas.microsoft.com/office/drawing/2014/main" xmlns="" id="{75878A89-FA45-4A32-BBC1-75F54C9BBC20}"/>
               </a:ext>
             </a:extLst>
           </p:cNvPr>
@@ -6765,10 +6801,10 @@
           <p:nvPr/>
         </p:nvPicPr>
         <p:blipFill>
-          <a:blip r:embed="rId2">
+          <a:blip r:embed="rId2" cstate="print">
             <a:extLst>
               <a:ext uri="{28A0092B-C50C-407E-A947-70E740481C1C}">
-                <a14:useLocalDpi xmlns:a14="http://schemas.microsoft.com/office/drawing/2010/main" val="0"/>
+                <a14:useLocalDpi xmlns:a14="http://schemas.microsoft.com/office/drawing/2010/main" xmlns="" val="0"/>
               </a:ext>
             </a:extLst>
           </a:blip>
@@ -6791,7 +6827,7 @@
           <p:cNvPr id="17" name="Image 16">
             <a:extLst>
               <a:ext uri="{FF2B5EF4-FFF2-40B4-BE49-F238E27FC236}">
-                <a16:creationId xmlns:a16="http://schemas.microsoft.com/office/drawing/2014/main" id="{21C636E9-5D33-4CDF-ADD3-2D4278D34122}"/>
+                <a16:creationId xmlns:a16="http://schemas.microsoft.com/office/drawing/2014/main" xmlns="" id="{21C636E9-5D33-4CDF-ADD3-2D4278D34122}"/>
               </a:ext>
             </a:extLst>
           </p:cNvPr>
@@ -6801,10 +6837,10 @@
           <p:nvPr/>
         </p:nvPicPr>
         <p:blipFill>
-          <a:blip r:embed="rId3">
+          <a:blip r:embed="rId3" cstate="print">
             <a:extLst>
               <a:ext uri="{28A0092B-C50C-407E-A947-70E740481C1C}">
-                <a14:useLocalDpi xmlns:a14="http://schemas.microsoft.com/office/drawing/2010/main" val="0"/>
+                <a14:useLocalDpi xmlns:a14="http://schemas.microsoft.com/office/drawing/2010/main" xmlns="" val="0"/>
               </a:ext>
             </a:extLst>
           </a:blip>
@@ -6827,7 +6863,7 @@
           <p:cNvPr id="19" name="Image 18">
             <a:extLst>
               <a:ext uri="{FF2B5EF4-FFF2-40B4-BE49-F238E27FC236}">
-                <a16:creationId xmlns:a16="http://schemas.microsoft.com/office/drawing/2014/main" id="{4CA86134-2CC0-43FD-980F-A666FE4ED7E8}"/>
+                <a16:creationId xmlns:a16="http://schemas.microsoft.com/office/drawing/2014/main" xmlns="" id="{4CA86134-2CC0-43FD-980F-A666FE4ED7E8}"/>
               </a:ext>
             </a:extLst>
           </p:cNvPr>
@@ -6837,10 +6873,10 @@
           <p:nvPr/>
         </p:nvPicPr>
         <p:blipFill>
-          <a:blip r:embed="rId4">
+          <a:blip r:embed="rId4" cstate="print">
             <a:extLst>
               <a:ext uri="{28A0092B-C50C-407E-A947-70E740481C1C}">
-                <a14:useLocalDpi xmlns:a14="http://schemas.microsoft.com/office/drawing/2010/main" val="0"/>
+                <a14:useLocalDpi xmlns:a14="http://schemas.microsoft.com/office/drawing/2010/main" xmlns="" val="0"/>
               </a:ext>
             </a:extLst>
           </a:blip>
@@ -6863,7 +6899,7 @@
           <p:cNvPr id="21" name="Connecteur droit 20">
             <a:extLst>
               <a:ext uri="{FF2B5EF4-FFF2-40B4-BE49-F238E27FC236}">
-                <a16:creationId xmlns:a16="http://schemas.microsoft.com/office/drawing/2014/main" id="{168ED76E-D0DD-451C-96C8-25B3F887EF45}"/>
+                <a16:creationId xmlns:a16="http://schemas.microsoft.com/office/drawing/2014/main" xmlns="" id="{168ED76E-D0DD-451C-96C8-25B3F887EF45}"/>
               </a:ext>
             </a:extLst>
           </p:cNvPr>
@@ -6899,7 +6935,7 @@
           <p:cNvPr id="22" name="ZoneTexte 21">
             <a:extLst>
               <a:ext uri="{FF2B5EF4-FFF2-40B4-BE49-F238E27FC236}">
-                <a16:creationId xmlns:a16="http://schemas.microsoft.com/office/drawing/2014/main" id="{59546B12-0FB2-4040-AFDA-07470AA57FBD}"/>
+                <a16:creationId xmlns:a16="http://schemas.microsoft.com/office/drawing/2014/main" xmlns="" id="{59546B12-0FB2-4040-AFDA-07470AA57FBD}"/>
               </a:ext>
             </a:extLst>
           </p:cNvPr>
@@ -6967,7 +7003,7 @@
           <p:cNvPr id="24" name="ZoneTexte 23">
             <a:extLst>
               <a:ext uri="{FF2B5EF4-FFF2-40B4-BE49-F238E27FC236}">
-                <a16:creationId xmlns:a16="http://schemas.microsoft.com/office/drawing/2014/main" id="{3F765B0C-808F-49A4-8974-5E6666B70D9C}"/>
+                <a16:creationId xmlns:a16="http://schemas.microsoft.com/office/drawing/2014/main" xmlns="" id="{3F765B0C-808F-49A4-8974-5E6666B70D9C}"/>
               </a:ext>
             </a:extLst>
           </p:cNvPr>
@@ -7023,7 +7059,7 @@
           <p:cNvPr id="30" name="Image 29">
             <a:extLst>
               <a:ext uri="{FF2B5EF4-FFF2-40B4-BE49-F238E27FC236}">
-                <a16:creationId xmlns:a16="http://schemas.microsoft.com/office/drawing/2014/main" id="{CF422EBF-E5A6-46CF-A269-71589CD1129A}"/>
+                <a16:creationId xmlns:a16="http://schemas.microsoft.com/office/drawing/2014/main" xmlns="" id="{CF422EBF-E5A6-46CF-A269-71589CD1129A}"/>
               </a:ext>
             </a:extLst>
           </p:cNvPr>
@@ -7033,10 +7069,10 @@
           <p:nvPr/>
         </p:nvPicPr>
         <p:blipFill>
-          <a:blip r:embed="rId5">
+          <a:blip r:embed="rId5" cstate="print">
             <a:extLst>
               <a:ext uri="{28A0092B-C50C-407E-A947-70E740481C1C}">
-                <a14:useLocalDpi xmlns:a14="http://schemas.microsoft.com/office/drawing/2010/main" val="0"/>
+                <a14:useLocalDpi xmlns:a14="http://schemas.microsoft.com/office/drawing/2010/main" xmlns="" val="0"/>
               </a:ext>
             </a:extLst>
           </a:blip>
@@ -7057,7 +7093,7 @@
     </p:spTree>
     <p:extLst>
       <p:ext uri="{BB962C8B-B14F-4D97-AF65-F5344CB8AC3E}">
-        <p14:creationId xmlns:p14="http://schemas.microsoft.com/office/powerpoint/2010/main" val="3880618160"/>
+        <p14:creationId xmlns:p14="http://schemas.microsoft.com/office/powerpoint/2010/main" xmlns="" val="3880618160"/>
       </p:ext>
     </p:extLst>
   </p:cSld>
@@ -7089,7 +7125,7 @@
           <p:cNvPr id="2" name="Titre 1">
             <a:extLst>
               <a:ext uri="{FF2B5EF4-FFF2-40B4-BE49-F238E27FC236}">
-                <a16:creationId xmlns:a16="http://schemas.microsoft.com/office/drawing/2014/main" id="{9BA25F53-B672-46D5-81D7-AFD93A1C89D9}"/>
+                <a16:creationId xmlns:a16="http://schemas.microsoft.com/office/drawing/2014/main" xmlns="" id="{9BA25F53-B672-46D5-81D7-AFD93A1C89D9}"/>
               </a:ext>
             </a:extLst>
           </p:cNvPr>
@@ -7113,41 +7149,261 @@
               <a:rPr lang="fr-FR" dirty="0"/>
             </a:br>
             <a:r>
-              <a:rPr lang="fr-FR" dirty="0"/>
-              <a:t>Persistance et Base de données</a:t>
-            </a:r>
-          </a:p>
-        </p:txBody>
-      </p:sp>
-      <p:sp>
-        <p:nvSpPr>
-          <p:cNvPr id="3" name="Espace réservé du contenu 2">
-            <a:extLst>
-              <a:ext uri="{FF2B5EF4-FFF2-40B4-BE49-F238E27FC236}">
-                <a16:creationId xmlns:a16="http://schemas.microsoft.com/office/drawing/2014/main" id="{B0E24451-BC78-423F-A243-5CC16348F0B4}"/>
-              </a:ext>
-            </a:extLst>
-          </p:cNvPr>
-          <p:cNvSpPr>
-            <a:spLocks noGrp="1"/>
-          </p:cNvSpPr>
-          <p:nvPr>
-            <p:ph idx="1"/>
-          </p:nvPr>
-        </p:nvSpPr>
-        <p:spPr/>
-        <p:txBody>
-          <a:bodyPr/>
-          <a:lstStyle/>
-          <a:p>
-            <a:endParaRPr lang="fr-FR"/>
-          </a:p>
-        </p:txBody>
-      </p:sp>
+              <a:rPr lang="fr-FR" dirty="0" smtClean="0"/>
+              <a:t>Service de persistance &amp; BDD</a:t>
+            </a:r>
+            <a:endParaRPr lang="fr-FR" dirty="0"/>
+          </a:p>
+        </p:txBody>
+      </p:sp>
+      <p:pic>
+        <p:nvPicPr>
+          <p:cNvPr id="4098" name="Picture 2" descr="Résultat de recherche d'images pour &quot;php symfony&quot;"/>
+          <p:cNvPicPr>
+            <a:picLocks noChangeAspect="1" noChangeArrowheads="1"/>
+          </p:cNvPicPr>
+          <p:nvPr/>
+        </p:nvPicPr>
+        <p:blipFill>
+          <a:blip r:embed="rId2" cstate="print"/>
+          <a:srcRect/>
+          <a:stretch>
+            <a:fillRect/>
+          </a:stretch>
+        </p:blipFill>
+        <p:spPr bwMode="auto">
+          <a:xfrm>
+            <a:off x="1158954" y="1992312"/>
+            <a:ext cx="3961549" cy="2659899"/>
+          </a:xfrm>
+          <a:prstGeom prst="rect">
+            <a:avLst/>
+          </a:prstGeom>
+          <a:noFill/>
+        </p:spPr>
+      </p:pic>
+      <p:pic>
+        <p:nvPicPr>
+          <p:cNvPr id="4100" name="Picture 4" descr="Résultat de recherche d'images pour &quot;python django&quot;"/>
+          <p:cNvPicPr>
+            <a:picLocks noChangeAspect="1" noChangeArrowheads="1"/>
+          </p:cNvPicPr>
+          <p:nvPr/>
+        </p:nvPicPr>
+        <p:blipFill>
+          <a:blip r:embed="rId3" cstate="print"/>
+          <a:srcRect/>
+          <a:stretch>
+            <a:fillRect/>
+          </a:stretch>
+        </p:blipFill>
+        <p:spPr bwMode="auto">
+          <a:xfrm>
+            <a:off x="7095181" y="2118365"/>
+            <a:ext cx="4246587" cy="2389467"/>
+          </a:xfrm>
+          <a:prstGeom prst="rect">
+            <a:avLst/>
+          </a:prstGeom>
+          <a:noFill/>
+        </p:spPr>
+      </p:pic>
+      <p:pic>
+        <p:nvPicPr>
+          <p:cNvPr id="4106" name="Picture 10" descr="Résultat de recherche d'images pour &quot;mysql&quot;"/>
+          <p:cNvPicPr>
+            <a:picLocks noChangeAspect="1" noChangeArrowheads="1"/>
+          </p:cNvPicPr>
+          <p:nvPr/>
+        </p:nvPicPr>
+        <p:blipFill>
+          <a:blip r:embed="rId4" cstate="print"/>
+          <a:srcRect/>
+          <a:stretch>
+            <a:fillRect/>
+          </a:stretch>
+        </p:blipFill>
+        <p:spPr bwMode="auto">
+          <a:xfrm>
+            <a:off x="508501" y="4223248"/>
+            <a:ext cx="3015415" cy="2124498"/>
+          </a:xfrm>
+          <a:prstGeom prst="rect">
+            <a:avLst/>
+          </a:prstGeom>
+          <a:noFill/>
+        </p:spPr>
+      </p:pic>
+      <p:pic>
+        <p:nvPicPr>
+          <p:cNvPr id="4108" name="Picture 12" descr="Résultat de recherche d'images pour &quot;nodejs&quot;"/>
+          <p:cNvPicPr>
+            <a:picLocks noChangeAspect="1" noChangeArrowheads="1"/>
+          </p:cNvPicPr>
+          <p:nvPr/>
+        </p:nvPicPr>
+        <p:blipFill>
+          <a:blip r:embed="rId5" cstate="print"/>
+          <a:srcRect/>
+          <a:stretch>
+            <a:fillRect/>
+          </a:stretch>
+        </p:blipFill>
+        <p:spPr bwMode="auto">
+          <a:xfrm>
+            <a:off x="8256838" y="4834022"/>
+            <a:ext cx="3639940" cy="1567197"/>
+          </a:xfrm>
+          <a:prstGeom prst="rect">
+            <a:avLst/>
+          </a:prstGeom>
+          <a:noFill/>
+        </p:spPr>
+      </p:pic>
+      <p:pic>
+        <p:nvPicPr>
+          <p:cNvPr id="4110" name="Picture 14" descr="Résultat de recherche d'images pour &quot;mongodb&quot;"/>
+          <p:cNvPicPr>
+            <a:picLocks noChangeAspect="1" noChangeArrowheads="1"/>
+          </p:cNvPicPr>
+          <p:nvPr/>
+        </p:nvPicPr>
+        <p:blipFill>
+          <a:blip r:embed="rId6" cstate="print"/>
+          <a:srcRect/>
+          <a:stretch>
+            <a:fillRect/>
+          </a:stretch>
+        </p:blipFill>
+        <p:spPr bwMode="auto">
+          <a:xfrm>
+            <a:off x="4775701" y="4858753"/>
+            <a:ext cx="3028950" cy="1514475"/>
+          </a:xfrm>
+          <a:prstGeom prst="rect">
+            <a:avLst/>
+          </a:prstGeom>
+          <a:noFill/>
+        </p:spPr>
+      </p:pic>
+      <p:cxnSp>
+        <p:nvCxnSpPr>
+          <p:cNvPr id="12" name="Connecteur droit 11"/>
+          <p:cNvCxnSpPr/>
+          <p:nvPr/>
+        </p:nvCxnSpPr>
+        <p:spPr>
+          <a:xfrm flipV="1">
+            <a:off x="4379495" y="4748463"/>
+            <a:ext cx="3673642" cy="1860884"/>
+          </a:xfrm>
+          <a:prstGeom prst="line">
+            <a:avLst/>
+          </a:prstGeom>
+          <a:ln w="76200">
+            <a:solidFill>
+              <a:schemeClr val="accent1">
+                <a:lumMod val="60000"/>
+                <a:lumOff val="40000"/>
+              </a:schemeClr>
+            </a:solidFill>
+          </a:ln>
+        </p:spPr>
+        <p:style>
+          <a:lnRef idx="1">
+            <a:schemeClr val="accent1"/>
+          </a:lnRef>
+          <a:fillRef idx="0">
+            <a:schemeClr val="accent1"/>
+          </a:fillRef>
+          <a:effectRef idx="0">
+            <a:schemeClr val="accent1"/>
+          </a:effectRef>
+          <a:fontRef idx="minor">
+            <a:schemeClr val="tx1"/>
+          </a:fontRef>
+        </p:style>
+      </p:cxnSp>
+      <p:cxnSp>
+        <p:nvCxnSpPr>
+          <p:cNvPr id="13" name="Connecteur droit 12"/>
+          <p:cNvCxnSpPr/>
+          <p:nvPr/>
+        </p:nvCxnSpPr>
+        <p:spPr>
+          <a:xfrm flipV="1">
+            <a:off x="8037095" y="4772526"/>
+            <a:ext cx="3970421" cy="1740569"/>
+          </a:xfrm>
+          <a:prstGeom prst="line">
+            <a:avLst/>
+          </a:prstGeom>
+          <a:ln w="76200">
+            <a:solidFill>
+              <a:schemeClr val="accent1">
+                <a:lumMod val="60000"/>
+                <a:lumOff val="40000"/>
+              </a:schemeClr>
+            </a:solidFill>
+          </a:ln>
+        </p:spPr>
+        <p:style>
+          <a:lnRef idx="1">
+            <a:schemeClr val="accent1"/>
+          </a:lnRef>
+          <a:fillRef idx="0">
+            <a:schemeClr val="accent1"/>
+          </a:fillRef>
+          <a:effectRef idx="0">
+            <a:schemeClr val="accent1"/>
+          </a:effectRef>
+          <a:fontRef idx="minor">
+            <a:schemeClr val="tx1"/>
+          </a:fontRef>
+        </p:style>
+      </p:cxnSp>
+      <p:cxnSp>
+        <p:nvCxnSpPr>
+          <p:cNvPr id="15" name="Connecteur droit 14"/>
+          <p:cNvCxnSpPr/>
+          <p:nvPr/>
+        </p:nvCxnSpPr>
+        <p:spPr>
+          <a:xfrm>
+            <a:off x="6833937" y="1967832"/>
+            <a:ext cx="4732421" cy="2662989"/>
+          </a:xfrm>
+          <a:prstGeom prst="line">
+            <a:avLst/>
+          </a:prstGeom>
+          <a:ln w="76200">
+            <a:solidFill>
+              <a:schemeClr val="accent1">
+                <a:lumMod val="60000"/>
+                <a:lumOff val="40000"/>
+              </a:schemeClr>
+            </a:solidFill>
+          </a:ln>
+        </p:spPr>
+        <p:style>
+          <a:lnRef idx="1">
+            <a:schemeClr val="accent1"/>
+          </a:lnRef>
+          <a:fillRef idx="0">
+            <a:schemeClr val="accent1"/>
+          </a:fillRef>
+          <a:effectRef idx="0">
+            <a:schemeClr val="accent1"/>
+          </a:effectRef>
+          <a:fontRef idx="minor">
+            <a:schemeClr val="tx1"/>
+          </a:fontRef>
+        </p:style>
+      </p:cxnSp>
     </p:spTree>
     <p:extLst>
       <p:ext uri="{BB962C8B-B14F-4D97-AF65-F5344CB8AC3E}">
-        <p14:creationId xmlns:p14="http://schemas.microsoft.com/office/powerpoint/2010/main" val="3440465549"/>
+        <p14:creationId xmlns:p14="http://schemas.microsoft.com/office/powerpoint/2010/main" xmlns="" val="3440465549"/>
       </p:ext>
     </p:extLst>
   </p:cSld>
@@ -7179,7 +7435,7 @@
           <p:cNvPr id="2" name="Titre 1">
             <a:extLst>
               <a:ext uri="{FF2B5EF4-FFF2-40B4-BE49-F238E27FC236}">
-                <a16:creationId xmlns:a16="http://schemas.microsoft.com/office/drawing/2014/main" id="{078002B0-DDB3-4731-BBBF-0268A5035C19}"/>
+                <a16:creationId xmlns:a16="http://schemas.microsoft.com/office/drawing/2014/main" xmlns="" id="{078002B0-DDB3-4731-BBBF-0268A5035C19}"/>
               </a:ext>
             </a:extLst>
           </p:cNvPr>
@@ -7205,7 +7461,7 @@
     </p:spTree>
     <p:extLst>
       <p:ext uri="{BB962C8B-B14F-4D97-AF65-F5344CB8AC3E}">
-        <p14:creationId xmlns:p14="http://schemas.microsoft.com/office/powerpoint/2010/main" val="820396110"/>
+        <p14:creationId xmlns:p14="http://schemas.microsoft.com/office/powerpoint/2010/main" xmlns="" val="820396110"/>
       </p:ext>
     </p:extLst>
   </p:cSld>
@@ -7237,7 +7493,7 @@
           <p:cNvPr id="2" name="Titre 1">
             <a:extLst>
               <a:ext uri="{FF2B5EF4-FFF2-40B4-BE49-F238E27FC236}">
-                <a16:creationId xmlns:a16="http://schemas.microsoft.com/office/drawing/2014/main" id="{B5F9CCFF-675C-48A0-B81E-1E022263E80C}"/>
+                <a16:creationId xmlns:a16="http://schemas.microsoft.com/office/drawing/2014/main" xmlns="" id="{B5F9CCFF-675C-48A0-B81E-1E022263E80C}"/>
               </a:ext>
             </a:extLst>
           </p:cNvPr>
@@ -7269,7 +7525,7 @@
           <p:cNvPr id="3" name="Espace réservé du contenu 2">
             <a:extLst>
               <a:ext uri="{FF2B5EF4-FFF2-40B4-BE49-F238E27FC236}">
-                <a16:creationId xmlns:a16="http://schemas.microsoft.com/office/drawing/2014/main" id="{A98BD445-4EF1-4A30-BA0B-310882D67A2C}"/>
+                <a16:creationId xmlns:a16="http://schemas.microsoft.com/office/drawing/2014/main" xmlns="" id="{A98BD445-4EF1-4A30-BA0B-310882D67A2C}"/>
               </a:ext>
             </a:extLst>
           </p:cNvPr>
@@ -7366,7 +7622,7 @@
     </p:spTree>
     <p:extLst>
       <p:ext uri="{BB962C8B-B14F-4D97-AF65-F5344CB8AC3E}">
-        <p14:creationId xmlns:p14="http://schemas.microsoft.com/office/powerpoint/2010/main" val="3540695325"/>
+        <p14:creationId xmlns:p14="http://schemas.microsoft.com/office/powerpoint/2010/main" xmlns="" val="3540695325"/>
       </p:ext>
     </p:extLst>
   </p:cSld>
@@ -7419,7 +7675,7 @@
     </a:clrScheme>
     <a:fontScheme name="Ion">
       <a:majorFont>
-        <a:latin typeface="Century Gothic" panose="020B0502020202020204"/>
+        <a:latin typeface="Century Gothic"/>
         <a:ea typeface=""/>
         <a:cs typeface=""/>
         <a:font script="Jpan" typeface="メイリオ"/>
@@ -7454,7 +7710,7 @@
         <a:font script="Geor" typeface="Sylfaen"/>
       </a:majorFont>
       <a:minorFont>
-        <a:latin typeface="Century Gothic" panose="020B0502020202020204"/>
+        <a:latin typeface="Century Gothic"/>
         <a:ea typeface=""/>
         <a:cs typeface=""/>
         <a:font script="Jpan" typeface="メイリオ"/>
@@ -7636,7 +7892,7 @@
   <a:extraClrSchemeLst/>
   <a:extLst>
     <a:ext uri="{05A4C25C-085E-4340-85A3-A5531E510DB2}">
-      <thm15:themeFamily xmlns:thm15="http://schemas.microsoft.com/office/thememl/2012/main" name="Ion" id="{B8441ADB-2E43-4AF7-B97A-BD870242C6A8}" vid="{292E63A9-BB86-4E3D-B92A-7223C6510D2E}"/>
+      <thm15:themeFamily xmlns:thm15="http://schemas.microsoft.com/office/thememl/2012/main" xmlns="" name="Ion" id="{B8441ADB-2E43-4AF7-B97A-BD870242C6A8}" vid="{292E63A9-BB86-4E3D-B92A-7223C6510D2E}"/>
     </a:ext>
   </a:extLst>
 </a:theme>
